--- a/semester 5/PKM/Workshop.pptx
+++ b/semester 5/PKM/Workshop.pptx
@@ -51370,7 +51370,7 @@
         <p:spPr>
           <a:xfrm>
             <a:off x="457199" y="1214458"/>
-            <a:ext cx="8229599" cy="3375283"/>
+            <a:ext cx="8229599" cy="2636619"/>
           </a:xfrm>
           <a:prstGeom prst="rect">
             <a:avLst/>
@@ -51588,7 +51588,23 @@
                 <a:ea typeface="Yu Mincho" panose="02020400000000000000" pitchFamily="18" charset="-128"/>
                 <a:cs typeface="Times New Roman" panose="02020603050405020304" pitchFamily="18" charset="0"/>
               </a:rPr>
-              <a:t> tag &lt;head&gt; </a:t>
+              <a:t> tag &lt;head&gt; HTML. </a:t>
+            </a:r>
+            <a:br>
+              <a:rPr lang="en-ID" sz="1600" dirty="0">
+                <a:effectLst/>
+                <a:latin typeface="Roboto" panose="02000000000000000000" pitchFamily="2" charset="0"/>
+                <a:ea typeface="Yu Mincho" panose="02020400000000000000" pitchFamily="18" charset="-128"/>
+                <a:cs typeface="Times New Roman" panose="02020603050405020304" pitchFamily="18" charset="0"/>
+              </a:rPr>
+            </a:br>
+            <a:r>
+              <a:rPr lang="en-ID" sz="1600" dirty="0" err="1">
+                <a:latin typeface="Roboto" panose="02000000000000000000" pitchFamily="2" charset="0"/>
+                <a:ea typeface="Yu Mincho" panose="02020400000000000000" pitchFamily="18" charset="-128"/>
+                <a:cs typeface="Times New Roman" panose="02020603050405020304" pitchFamily="18" charset="0"/>
+              </a:rPr>
+              <a:t>U</a:t>
             </a:r>
             <a:r>
               <a:rPr lang="en-ID" sz="1600" dirty="0" err="1">
@@ -51597,7 +51613,7 @@
                 <a:ea typeface="Yu Mincho" panose="02020400000000000000" pitchFamily="18" charset="-128"/>
                 <a:cs typeface="Times New Roman" panose="02020603050405020304" pitchFamily="18" charset="0"/>
               </a:rPr>
-              <a:t>untuk</a:t>
+              <a:t>ntuk</a:t>
             </a:r>
             <a:r>
               <a:rPr lang="en-ID" sz="1600" dirty="0">
@@ -51753,7 +51769,7 @@
                 <a:ea typeface="Yu Mincho" panose="02020400000000000000" pitchFamily="18" charset="-128"/>
                 <a:cs typeface="Times New Roman" panose="02020603050405020304" pitchFamily="18" charset="0"/>
               </a:rPr>
-              <a:t> file HTML </a:t>
+              <a:t> file HTML. </a:t>
             </a:r>
             <a:r>
               <a:rPr lang="en-ID" sz="1600" dirty="0" err="1">
@@ -51762,7 +51778,7 @@
                 <a:ea typeface="Yu Mincho" panose="02020400000000000000" pitchFamily="18" charset="-128"/>
                 <a:cs typeface="Times New Roman" panose="02020603050405020304" pitchFamily="18" charset="0"/>
               </a:rPr>
-              <a:t>dengan</a:t>
+              <a:t>Untuk</a:t>
             </a:r>
             <a:r>
               <a:rPr lang="en-ID" sz="1600" dirty="0">
@@ -51774,44 +51790,49 @@
               <a:t> </a:t>
             </a:r>
             <a:r>
-              <a:rPr lang="en-ID" sz="1600" dirty="0">
+              <a:rPr lang="en-ID" sz="1600" dirty="0" err="1">
+                <a:effectLst/>
                 <a:latin typeface="Roboto" panose="02000000000000000000" pitchFamily="2" charset="0"/>
                 <a:ea typeface="Yu Mincho" panose="02020400000000000000" pitchFamily="18" charset="-128"/>
                 <a:cs typeface="Times New Roman" panose="02020603050405020304" pitchFamily="18" charset="0"/>
               </a:rPr>
-              <a:t>file </a:t>
-            </a:r>
-            <a:r>
-              <a:rPr lang="en-ID" sz="1600" dirty="0" err="1">
+              <a:t>menautkan</a:t>
+            </a:r>
+            <a:r>
+              <a:rPr lang="en-ID" sz="1600" dirty="0">
+                <a:effectLst/>
                 <a:latin typeface="Roboto" panose="02000000000000000000" pitchFamily="2" charset="0"/>
                 <a:ea typeface="Yu Mincho" panose="02020400000000000000" pitchFamily="18" charset="-128"/>
                 <a:cs typeface="Times New Roman" panose="02020603050405020304" pitchFamily="18" charset="0"/>
               </a:rPr>
-              <a:t>ekstensi</a:t>
-            </a:r>
-            <a:r>
-              <a:rPr lang="en-ID" sz="1600" dirty="0">
+              <a:t> file CSS, </a:t>
+            </a:r>
+            <a:r>
+              <a:rPr lang="en-ID" sz="1600" dirty="0" err="1">
+                <a:effectLst/>
                 <a:latin typeface="Roboto" panose="02000000000000000000" pitchFamily="2" charset="0"/>
                 <a:ea typeface="Yu Mincho" panose="02020400000000000000" pitchFamily="18" charset="-128"/>
                 <a:cs typeface="Times New Roman" panose="02020603050405020304" pitchFamily="18" charset="0"/>
               </a:rPr>
-              <a:t> </a:t>
-            </a:r>
-            <a:r>
-              <a:rPr lang="en-ID" sz="1600" dirty="0" err="1">
+              <a:t>gunakan</a:t>
+            </a:r>
+            <a:r>
+              <a:rPr lang="en-ID" sz="1600" dirty="0">
+                <a:effectLst/>
                 <a:latin typeface="Roboto" panose="02000000000000000000" pitchFamily="2" charset="0"/>
                 <a:ea typeface="Yu Mincho" panose="02020400000000000000" pitchFamily="18" charset="-128"/>
                 <a:cs typeface="Times New Roman" panose="02020603050405020304" pitchFamily="18" charset="0"/>
               </a:rPr>
-              <a:t>atau</a:t>
-            </a:r>
-            <a:r>
-              <a:rPr lang="en-ID" sz="1600" dirty="0">
+              <a:t> tag &lt;link </a:t>
+            </a:r>
+            <a:r>
+              <a:rPr lang="en-ID" sz="1600" dirty="0" err="1">
+                <a:effectLst/>
                 <a:latin typeface="Roboto" panose="02000000000000000000" pitchFamily="2" charset="0"/>
                 <a:ea typeface="Yu Mincho" panose="02020400000000000000" pitchFamily="18" charset="-128"/>
                 <a:cs typeface="Times New Roman" panose="02020603050405020304" pitchFamily="18" charset="0"/>
               </a:rPr>
-              <a:t> </a:t>
+              <a:t>rel</a:t>
             </a:r>
             <a:r>
               <a:rPr lang="en-ID" sz="1600" dirty="0">
@@ -51820,7 +51841,7 @@
                 <a:ea typeface="Yu Mincho" panose="02020400000000000000" pitchFamily="18" charset="-128"/>
                 <a:cs typeface="Times New Roman" panose="02020603050405020304" pitchFamily="18" charset="0"/>
               </a:rPr>
-              <a:t>nama file </a:t>
+              <a:t>=”stylesheet” </a:t>
             </a:r>
             <a:r>
               <a:rPr lang="en-ID" sz="1600" dirty="0" err="1">
@@ -51829,7 +51850,7 @@
                 <a:ea typeface="Yu Mincho" panose="02020400000000000000" pitchFamily="18" charset="-128"/>
                 <a:cs typeface="Times New Roman" panose="02020603050405020304" pitchFamily="18" charset="0"/>
               </a:rPr>
-              <a:t>diakhir</a:t>
+              <a:t>href</a:t>
             </a:r>
             <a:r>
               <a:rPr lang="en-ID" sz="1600" dirty="0">
@@ -51838,7 +51859,7 @@
                 <a:ea typeface="Yu Mincho" panose="02020400000000000000" pitchFamily="18" charset="-128"/>
                 <a:cs typeface="Times New Roman" panose="02020603050405020304" pitchFamily="18" charset="0"/>
               </a:rPr>
-              <a:t> ‘.css’. </a:t>
+              <a:t>=”style.css”&gt; di </a:t>
             </a:r>
             <a:r>
               <a:rPr lang="en-ID" sz="1600" dirty="0" err="1">
@@ -51847,7 +51868,7 @@
                 <a:ea typeface="Yu Mincho" panose="02020400000000000000" pitchFamily="18" charset="-128"/>
                 <a:cs typeface="Times New Roman" panose="02020603050405020304" pitchFamily="18" charset="0"/>
               </a:rPr>
-              <a:t>Contoh</a:t>
+              <a:t>dalam</a:t>
             </a:r>
             <a:r>
               <a:rPr lang="en-ID" sz="1600" dirty="0">
@@ -51856,148 +51877,23 @@
                 <a:ea typeface="Yu Mincho" panose="02020400000000000000" pitchFamily="18" charset="-128"/>
                 <a:cs typeface="Times New Roman" panose="02020603050405020304" pitchFamily="18" charset="0"/>
               </a:rPr>
-              <a:t>: ‘style.css’. </a:t>
-            </a:r>
-            <a:r>
-              <a:rPr lang="en-ID" sz="1600" dirty="0" err="1">
+              <a:t> tag &lt;head</a:t>
+            </a:r>
+            <a:r>
+              <a:rPr lang="en-ID" sz="1600">
+                <a:effectLst/>
                 <a:latin typeface="Roboto" panose="02000000000000000000" pitchFamily="2" charset="0"/>
                 <a:ea typeface="Yu Mincho" panose="02020400000000000000" pitchFamily="18" charset="-128"/>
                 <a:cs typeface="Times New Roman" panose="02020603050405020304" pitchFamily="18" charset="0"/>
               </a:rPr>
-              <a:t>K</a:t>
-            </a:r>
-            <a:r>
-              <a:rPr lang="en-ID" sz="1600" dirty="0" err="1">
-                <a:effectLst/>
-                <a:latin typeface="Roboto" panose="02000000000000000000" pitchFamily="2" charset="0"/>
-                <a:ea typeface="Yu Mincho" panose="02020400000000000000" pitchFamily="18" charset="-128"/>
-                <a:cs typeface="Times New Roman" panose="02020603050405020304" pitchFamily="18" charset="0"/>
-              </a:rPr>
-              <a:t>emudian</a:t>
-            </a:r>
-            <a:r>
-              <a:rPr lang="en-ID" sz="1600" dirty="0">
-                <a:effectLst/>
-                <a:latin typeface="Roboto" panose="02000000000000000000" pitchFamily="2" charset="0"/>
-                <a:ea typeface="Yu Mincho" panose="02020400000000000000" pitchFamily="18" charset="-128"/>
-                <a:cs typeface="Times New Roman" panose="02020603050405020304" pitchFamily="18" charset="0"/>
-              </a:rPr>
-              <a:t>, file </a:t>
-            </a:r>
-            <a:r>
-              <a:rPr lang="en-ID" sz="1600" dirty="0">
-                <a:latin typeface="Roboto" panose="02000000000000000000" pitchFamily="2" charset="0"/>
-                <a:ea typeface="Yu Mincho" panose="02020400000000000000" pitchFamily="18" charset="-128"/>
-                <a:cs typeface="Times New Roman" panose="02020603050405020304" pitchFamily="18" charset="0"/>
-              </a:rPr>
-              <a:t>CSS </a:t>
-            </a:r>
-            <a:r>
-              <a:rPr lang="en-ID" sz="1600" dirty="0" err="1">
-                <a:latin typeface="Roboto" panose="02000000000000000000" pitchFamily="2" charset="0"/>
-                <a:ea typeface="Yu Mincho" panose="02020400000000000000" pitchFamily="18" charset="-128"/>
-                <a:cs typeface="Times New Roman" panose="02020603050405020304" pitchFamily="18" charset="0"/>
-              </a:rPr>
-              <a:t>tersebut</a:t>
-            </a:r>
-            <a:r>
-              <a:rPr lang="en-ID" sz="1600" dirty="0">
-                <a:latin typeface="Roboto" panose="02000000000000000000" pitchFamily="2" charset="0"/>
-                <a:ea typeface="Yu Mincho" panose="02020400000000000000" pitchFamily="18" charset="-128"/>
-                <a:cs typeface="Times New Roman" panose="02020603050405020304" pitchFamily="18" charset="0"/>
-              </a:rPr>
-              <a:t> </a:t>
-            </a:r>
-            <a:r>
-              <a:rPr lang="en-ID" sz="1600" dirty="0" err="1">
-                <a:effectLst/>
-                <a:latin typeface="Roboto" panose="02000000000000000000" pitchFamily="2" charset="0"/>
-                <a:ea typeface="Yu Mincho" panose="02020400000000000000" pitchFamily="18" charset="-128"/>
-                <a:cs typeface="Times New Roman" panose="02020603050405020304" pitchFamily="18" charset="0"/>
-              </a:rPr>
-              <a:t>dipanggil</a:t>
-            </a:r>
-            <a:r>
-              <a:rPr lang="en-ID" sz="1600" dirty="0">
-                <a:effectLst/>
-                <a:latin typeface="Roboto" panose="02000000000000000000" pitchFamily="2" charset="0"/>
-                <a:ea typeface="Yu Mincho" panose="02020400000000000000" pitchFamily="18" charset="-128"/>
-                <a:cs typeface="Times New Roman" panose="02020603050405020304" pitchFamily="18" charset="0"/>
-              </a:rPr>
-              <a:t> pada file HTML </a:t>
-            </a:r>
-            <a:r>
-              <a:rPr lang="en-ID" sz="1600" dirty="0" err="1">
-                <a:effectLst/>
-                <a:latin typeface="Roboto" panose="02000000000000000000" pitchFamily="2" charset="0"/>
-                <a:ea typeface="Yu Mincho" panose="02020400000000000000" pitchFamily="18" charset="-128"/>
-                <a:cs typeface="Times New Roman" panose="02020603050405020304" pitchFamily="18" charset="0"/>
-              </a:rPr>
-              <a:t>dengan</a:t>
-            </a:r>
-            <a:r>
-              <a:rPr lang="en-ID" sz="1600" dirty="0">
-                <a:effectLst/>
-                <a:latin typeface="Roboto" panose="02000000000000000000" pitchFamily="2" charset="0"/>
-                <a:ea typeface="Yu Mincho" panose="02020400000000000000" pitchFamily="18" charset="-128"/>
-                <a:cs typeface="Times New Roman" panose="02020603050405020304" pitchFamily="18" charset="0"/>
-              </a:rPr>
-              <a:t> tag &lt;link </a:t>
-            </a:r>
-            <a:r>
-              <a:rPr lang="en-ID" sz="1600" dirty="0" err="1">
-                <a:effectLst/>
-                <a:latin typeface="Roboto" panose="02000000000000000000" pitchFamily="2" charset="0"/>
-                <a:ea typeface="Yu Mincho" panose="02020400000000000000" pitchFamily="18" charset="-128"/>
-                <a:cs typeface="Times New Roman" panose="02020603050405020304" pitchFamily="18" charset="0"/>
-              </a:rPr>
-              <a:t>rel</a:t>
-            </a:r>
-            <a:r>
-              <a:rPr lang="en-ID" sz="1600" dirty="0">
-                <a:effectLst/>
-                <a:latin typeface="Roboto" panose="02000000000000000000" pitchFamily="2" charset="0"/>
-                <a:ea typeface="Yu Mincho" panose="02020400000000000000" pitchFamily="18" charset="-128"/>
-                <a:cs typeface="Times New Roman" panose="02020603050405020304" pitchFamily="18" charset="0"/>
-              </a:rPr>
-              <a:t>=”stylesheet” </a:t>
-            </a:r>
-            <a:r>
-              <a:rPr lang="en-ID" sz="1600" dirty="0" err="1">
-                <a:effectLst/>
-                <a:latin typeface="Roboto" panose="02000000000000000000" pitchFamily="2" charset="0"/>
-                <a:ea typeface="Yu Mincho" panose="02020400000000000000" pitchFamily="18" charset="-128"/>
-                <a:cs typeface="Times New Roman" panose="02020603050405020304" pitchFamily="18" charset="0"/>
-              </a:rPr>
-              <a:t>href</a:t>
-            </a:r>
-            <a:r>
-              <a:rPr lang="en-ID" sz="1600" dirty="0">
-                <a:effectLst/>
-                <a:latin typeface="Roboto" panose="02000000000000000000" pitchFamily="2" charset="0"/>
-                <a:ea typeface="Yu Mincho" panose="02020400000000000000" pitchFamily="18" charset="-128"/>
-                <a:cs typeface="Times New Roman" panose="02020603050405020304" pitchFamily="18" charset="0"/>
-              </a:rPr>
-              <a:t>=”style.css”&gt; di </a:t>
-            </a:r>
-            <a:r>
-              <a:rPr lang="en-ID" sz="1600" dirty="0" err="1">
-                <a:effectLst/>
-                <a:latin typeface="Roboto" panose="02000000000000000000" pitchFamily="2" charset="0"/>
-                <a:ea typeface="Yu Mincho" panose="02020400000000000000" pitchFamily="18" charset="-128"/>
-                <a:cs typeface="Times New Roman" panose="02020603050405020304" pitchFamily="18" charset="0"/>
-              </a:rPr>
-              <a:t>dalam</a:t>
-            </a:r>
-            <a:r>
-              <a:rPr lang="en-ID" sz="1600" dirty="0">
-                <a:effectLst/>
-                <a:latin typeface="Roboto" panose="02000000000000000000" pitchFamily="2" charset="0"/>
-                <a:ea typeface="Yu Mincho" panose="02020400000000000000" pitchFamily="18" charset="-128"/>
-                <a:cs typeface="Times New Roman" panose="02020603050405020304" pitchFamily="18" charset="0"/>
-              </a:rPr>
-              <a:t> tag &lt;head&gt; HTML.</a:t>
-            </a:r>
+              <a:t>&gt; HTML</a:t>
+            </a:r>
+            <a:endParaRPr lang="en-ID" sz="1600" dirty="0">
+              <a:effectLst/>
+              <a:latin typeface="Roboto" panose="02000000000000000000" pitchFamily="2" charset="0"/>
+              <a:ea typeface="Yu Mincho" panose="02020400000000000000" pitchFamily="18" charset="-128"/>
+              <a:cs typeface="Times New Roman" panose="02020603050405020304" pitchFamily="18" charset="0"/>
+            </a:endParaRPr>
           </a:p>
         </p:txBody>
       </p:sp>
